--- a/Kahoot.pptx
+++ b/Kahoot.pptx
@@ -109,6 +109,11 @@
       </a:defRPr>
     </a:lvl9pPr>
   </p:defaultTextStyle>
+  <p:extLst>
+    <p:ext uri="{EFAFB233-063F-42B5-8137-9DF3F51BA10A}">
+      <p15:sldGuideLst xmlns:p15="http://schemas.microsoft.com/office/powerpoint/2012/main"/>
+    </p:ext>
+  </p:extLst>
 </p:presentation>
 </file>
 
@@ -6837,16 +6842,18 @@
           </a:p>
           <a:p>
             <a:r>
-              <a:rPr lang="fr-FR"/>
-              <a:t>Réceptionne </a:t>
-            </a:r>
-            <a:r>
               <a:rPr lang="fr-FR" dirty="0"/>
-              <a:t>les réponses des clients et les compare à la </a:t>
-            </a:r>
-            <a:r>
-              <a:rPr lang="fr-FR"/>
-              <a:t>réponse exacte</a:t>
+              <a:t>Réceptionne les réponses des clients et les compare à la réponse exacte</a:t>
+            </a:r>
+          </a:p>
+          <a:p>
+            <a:r>
+              <a:rPr lang="fr-FR" dirty="0"/>
+              <a:t>Envoie les scores à </a:t>
+            </a:r>
+            <a:r>
+              <a:rPr lang="fr-FR"/>
+              <a:t>chaque clients</a:t>
             </a:r>
           </a:p>
           <a:p>

--- a/Kahoot.pptx
+++ b/Kahoot.pptx
@@ -11,6 +11,7 @@
     <p:sldId id="259" r:id="rId5"/>
     <p:sldId id="260" r:id="rId6"/>
     <p:sldId id="261" r:id="rId7"/>
+    <p:sldId id="262" r:id="rId8"/>
   </p:sldIdLst>
   <p:sldSz cx="12192000" cy="6858000"/>
   <p:notesSz cx="6858000" cy="9144000"/>
@@ -109,7 +110,188 @@
       </a:defRPr>
     </a:lvl9pPr>
   </p:defaultTextStyle>
+  <p:extLst>
+    <p:ext uri="{EFAFB233-063F-42B5-8137-9DF3F51BA10A}">
+      <p15:sldGuideLst xmlns:p15="http://schemas.microsoft.com/office/powerpoint/2012/main"/>
+    </p:ext>
+  </p:extLst>
 </p:presentation>
+</file>
+
+<file path=ppt/revisionInfo.xml><?xml version="1.0" encoding="utf-8"?>
+<p1510:revInfo xmlns:a="http://schemas.openxmlformats.org/drawingml/2006/main" xmlns:r="http://schemas.openxmlformats.org/officeDocument/2006/relationships" xmlns:p1510="http://schemas.microsoft.com/office/powerpoint/2015/10/main">
+  <p1510:revLst>
+    <p1510:client id="{EB28A039-2CA9-4FB9-B4B0-86F7B9B503EE}" v="6" dt="2019-04-03T16:18:36.077"/>
+    <p1510:client id="{420E01F2-292B-4C69-A3ED-A76C760BF644}" v="327" dt="2019-04-03T16:27:23.920"/>
+  </p1510:revLst>
+</p1510:revInfo>
+</file>
+
+<file path=ppt/changesInfos/changesInfo1.xml><?xml version="1.0" encoding="utf-8"?>
+<pc:chgInfo xmlns:a="http://schemas.openxmlformats.org/drawingml/2006/main" xmlns:r="http://schemas.openxmlformats.org/officeDocument/2006/relationships" xmlns:ac="http://schemas.microsoft.com/office/drawing/2013/main/command" xmlns:pc="http://schemas.microsoft.com/office/powerpoint/2013/main/command">
+  <pc:docChgLst>
+    <pc:chgData name="flavien verschaeve" userId="a8891a6417e171be" providerId="LiveId" clId="{EB28A039-2CA9-4FB9-B4B0-86F7B9B503EE}"/>
+    <pc:docChg chg="modSld">
+      <pc:chgData name="flavien verschaeve" userId="a8891a6417e171be" providerId="LiveId" clId="{EB28A039-2CA9-4FB9-B4B0-86F7B9B503EE}" dt="2019-04-03T16:18:36.077" v="5" actId="403"/>
+      <pc:docMkLst>
+        <pc:docMk/>
+      </pc:docMkLst>
+      <pc:sldChg chg="modSp">
+        <pc:chgData name="flavien verschaeve" userId="a8891a6417e171be" providerId="LiveId" clId="{EB28A039-2CA9-4FB9-B4B0-86F7B9B503EE}" dt="2019-04-03T16:15:29.902" v="2" actId="20577"/>
+        <pc:sldMkLst>
+          <pc:docMk/>
+          <pc:sldMk cId="1696947210" sldId="256"/>
+        </pc:sldMkLst>
+        <pc:spChg chg="mod">
+          <ac:chgData name="flavien verschaeve" userId="a8891a6417e171be" providerId="LiveId" clId="{EB28A039-2CA9-4FB9-B4B0-86F7B9B503EE}" dt="2019-04-03T16:15:29.902" v="2" actId="20577"/>
+          <ac:spMkLst>
+            <pc:docMk/>
+            <pc:sldMk cId="1696947210" sldId="256"/>
+            <ac:spMk id="3" creationId="{8AA4B1DE-70C7-4974-87FB-E264B345A090}"/>
+          </ac:spMkLst>
+        </pc:spChg>
+      </pc:sldChg>
+      <pc:sldChg chg="modSp">
+        <pc:chgData name="flavien verschaeve" userId="a8891a6417e171be" providerId="LiveId" clId="{EB28A039-2CA9-4FB9-B4B0-86F7B9B503EE}" dt="2019-04-03T16:18:29.452" v="3" actId="255"/>
+        <pc:sldMkLst>
+          <pc:docMk/>
+          <pc:sldMk cId="3472022097" sldId="260"/>
+        </pc:sldMkLst>
+        <pc:spChg chg="mod">
+          <ac:chgData name="flavien verschaeve" userId="a8891a6417e171be" providerId="LiveId" clId="{EB28A039-2CA9-4FB9-B4B0-86F7B9B503EE}" dt="2019-04-03T16:18:29.452" v="3" actId="255"/>
+          <ac:spMkLst>
+            <pc:docMk/>
+            <pc:sldMk cId="3472022097" sldId="260"/>
+            <ac:spMk id="3" creationId="{073FC1A0-AF5F-448D-9688-2C1B5F9E4B41}"/>
+          </ac:spMkLst>
+        </pc:spChg>
+      </pc:sldChg>
+      <pc:sldChg chg="modSp">
+        <pc:chgData name="flavien verschaeve" userId="a8891a6417e171be" providerId="LiveId" clId="{EB28A039-2CA9-4FB9-B4B0-86F7B9B503EE}" dt="2019-04-03T16:18:36.077" v="5" actId="403"/>
+        <pc:sldMkLst>
+          <pc:docMk/>
+          <pc:sldMk cId="3543654381" sldId="261"/>
+        </pc:sldMkLst>
+        <pc:spChg chg="mod">
+          <ac:chgData name="flavien verschaeve" userId="a8891a6417e171be" providerId="LiveId" clId="{EB28A039-2CA9-4FB9-B4B0-86F7B9B503EE}" dt="2019-04-03T16:18:36.077" v="5" actId="403"/>
+          <ac:spMkLst>
+            <pc:docMk/>
+            <pc:sldMk cId="3543654381" sldId="261"/>
+            <ac:spMk id="3" creationId="{213C565C-259F-4965-BBEC-A54828BB16AF}"/>
+          </ac:spMkLst>
+        </pc:spChg>
+      </pc:sldChg>
+    </pc:docChg>
+  </pc:docChgLst>
+  <pc:docChgLst>
+    <pc:chgData name="Utilisateur invité" providerId="Windows Live" clId="Web-{420E01F2-292B-4C69-A3ED-A76C760BF644}"/>
+    <pc:docChg chg="addSld modSld">
+      <pc:chgData name="Utilisateur invité" userId="" providerId="Windows Live" clId="Web-{420E01F2-292B-4C69-A3ED-A76C760BF644}" dt="2019-04-03T16:27:36.701" v="372" actId="20577"/>
+      <pc:docMkLst>
+        <pc:docMk/>
+      </pc:docMkLst>
+      <pc:sldChg chg="modSp">
+        <pc:chgData name="Utilisateur invité" userId="" providerId="Windows Live" clId="Web-{420E01F2-292B-4C69-A3ED-A76C760BF644}" dt="2019-04-03T16:17:20.106" v="3" actId="14100"/>
+        <pc:sldMkLst>
+          <pc:docMk/>
+          <pc:sldMk cId="3433963488" sldId="257"/>
+        </pc:sldMkLst>
+        <pc:spChg chg="mod">
+          <ac:chgData name="Utilisateur invité" userId="" providerId="Windows Live" clId="Web-{420E01F2-292B-4C69-A3ED-A76C760BF644}" dt="2019-04-03T16:17:20.106" v="3" actId="14100"/>
+          <ac:spMkLst>
+            <pc:docMk/>
+            <pc:sldMk cId="3433963488" sldId="257"/>
+            <ac:spMk id="3" creationId="{973FE4D0-9F83-4286-90CF-019B3A7F4860}"/>
+          </ac:spMkLst>
+        </pc:spChg>
+      </pc:sldChg>
+      <pc:sldChg chg="modSp">
+        <pc:chgData name="Utilisateur invité" userId="" providerId="Windows Live" clId="Web-{420E01F2-292B-4C69-A3ED-A76C760BF644}" dt="2019-04-03T16:18:36.418" v="29"/>
+        <pc:sldMkLst>
+          <pc:docMk/>
+          <pc:sldMk cId="287110113" sldId="258"/>
+        </pc:sldMkLst>
+        <pc:graphicFrameChg chg="mod modGraphic">
+          <ac:chgData name="Utilisateur invité" userId="" providerId="Windows Live" clId="Web-{420E01F2-292B-4C69-A3ED-A76C760BF644}" dt="2019-04-03T16:18:36.418" v="29"/>
+          <ac:graphicFrameMkLst>
+            <pc:docMk/>
+            <pc:sldMk cId="287110113" sldId="258"/>
+            <ac:graphicFrameMk id="4" creationId="{6C1D07C2-969A-410A-A3CE-E115D4917ABE}"/>
+          </ac:graphicFrameMkLst>
+        </pc:graphicFrameChg>
+      </pc:sldChg>
+      <pc:sldChg chg="modSp">
+        <pc:chgData name="Utilisateur invité" userId="" providerId="Windows Live" clId="Web-{420E01F2-292B-4C69-A3ED-A76C760BF644}" dt="2019-04-03T16:27:23.920" v="371" actId="20577"/>
+        <pc:sldMkLst>
+          <pc:docMk/>
+          <pc:sldMk cId="3472022097" sldId="260"/>
+        </pc:sldMkLst>
+        <pc:spChg chg="mod">
+          <ac:chgData name="Utilisateur invité" userId="" providerId="Windows Live" clId="Web-{420E01F2-292B-4C69-A3ED-A76C760BF644}" dt="2019-04-03T16:27:23.920" v="371" actId="20577"/>
+          <ac:spMkLst>
+            <pc:docMk/>
+            <pc:sldMk cId="3472022097" sldId="260"/>
+            <ac:spMk id="3" creationId="{073FC1A0-AF5F-448D-9688-2C1B5F9E4B41}"/>
+          </ac:spMkLst>
+        </pc:spChg>
+      </pc:sldChg>
+      <pc:sldChg chg="modSp">
+        <pc:chgData name="Utilisateur invité" userId="" providerId="Windows Live" clId="Web-{420E01F2-292B-4C69-A3ED-A76C760BF644}" dt="2019-04-03T16:26:30.388" v="362" actId="20577"/>
+        <pc:sldMkLst>
+          <pc:docMk/>
+          <pc:sldMk cId="3543654381" sldId="261"/>
+        </pc:sldMkLst>
+        <pc:spChg chg="mod">
+          <ac:chgData name="Utilisateur invité" userId="" providerId="Windows Live" clId="Web-{420E01F2-292B-4C69-A3ED-A76C760BF644}" dt="2019-04-03T16:26:30.388" v="362" actId="20577"/>
+          <ac:spMkLst>
+            <pc:docMk/>
+            <pc:sldMk cId="3543654381" sldId="261"/>
+            <ac:spMk id="3" creationId="{213C565C-259F-4965-BBEC-A54828BB16AF}"/>
+          </ac:spMkLst>
+        </pc:spChg>
+      </pc:sldChg>
+      <pc:sldChg chg="addSp delSp modSp new">
+        <pc:chgData name="Utilisateur invité" userId="" providerId="Windows Live" clId="Web-{420E01F2-292B-4C69-A3ED-A76C760BF644}" dt="2019-04-03T16:25:26.201" v="342" actId="20577"/>
+        <pc:sldMkLst>
+          <pc:docMk/>
+          <pc:sldMk cId="1478182754" sldId="262"/>
+        </pc:sldMkLst>
+        <pc:spChg chg="mod">
+          <ac:chgData name="Utilisateur invité" userId="" providerId="Windows Live" clId="Web-{420E01F2-292B-4C69-A3ED-A76C760BF644}" dt="2019-04-03T16:19:54.450" v="51" actId="20577"/>
+          <ac:spMkLst>
+            <pc:docMk/>
+            <pc:sldMk cId="1478182754" sldId="262"/>
+            <ac:spMk id="2" creationId="{74718362-FEA5-4630-8B75-AA884EAEB919}"/>
+          </ac:spMkLst>
+        </pc:spChg>
+        <pc:spChg chg="del">
+          <ac:chgData name="Utilisateur invité" userId="" providerId="Windows Live" clId="Web-{420E01F2-292B-4C69-A3ED-A76C760BF644}" dt="2019-04-03T16:19:56.965" v="54"/>
+          <ac:spMkLst>
+            <pc:docMk/>
+            <pc:sldMk cId="1478182754" sldId="262"/>
+            <ac:spMk id="3" creationId="{05939ACA-01FD-4B64-9149-80FE838B1ADE}"/>
+          </ac:spMkLst>
+        </pc:spChg>
+        <pc:spChg chg="add del mod">
+          <ac:chgData name="Utilisateur invité" userId="" providerId="Windows Live" clId="Web-{420E01F2-292B-4C69-A3ED-A76C760BF644}" dt="2019-04-03T16:25:17.060" v="337"/>
+          <ac:spMkLst>
+            <pc:docMk/>
+            <pc:sldMk cId="1478182754" sldId="262"/>
+            <ac:spMk id="4" creationId="{3B3D9358-7B9F-4D93-B12E-D78274615AB5}"/>
+          </ac:spMkLst>
+        </pc:spChg>
+        <pc:spChg chg="add mod">
+          <ac:chgData name="Utilisateur invité" userId="" providerId="Windows Live" clId="Web-{420E01F2-292B-4C69-A3ED-A76C760BF644}" dt="2019-04-03T16:25:26.201" v="342" actId="20577"/>
+          <ac:spMkLst>
+            <pc:docMk/>
+            <pc:sldMk cId="1478182754" sldId="262"/>
+            <ac:spMk id="6" creationId="{35A39217-76D5-441F-BA34-BBC41C00D11D}"/>
+          </ac:spMkLst>
+        </pc:spChg>
+      </pc:sldChg>
+    </pc:docChg>
+  </pc:docChgLst>
+</pc:chgInfo>
 </file>
 
 <file path=ppt/slideLayouts/slideLayout1.xml><?xml version="1.0" encoding="utf-8"?>
@@ -693,7 +875,7 @@
               <a:rPr lang="fr-FR"/>
               <a:t>Modifiez le style du titre</a:t>
             </a:r>
-            <a:endParaRPr lang="en-US" dirty="0"/>
+            <a:endParaRPr lang="en-US"/>
           </a:p>
         </p:txBody>
       </p:sp>
@@ -813,7 +995,7 @@
               <a:rPr lang="fr-FR"/>
               <a:t>Modifiez le style des sous-titres du masque</a:t>
             </a:r>
-            <a:endParaRPr lang="en-US" dirty="0"/>
+            <a:endParaRPr lang="en-US"/>
           </a:p>
         </p:txBody>
       </p:sp>
@@ -836,7 +1018,7 @@
               <a:rPr lang="en-US" smtClean="0"/>
               <a:t>4/3/2019</a:t>
             </a:fld>
-            <a:endParaRPr lang="en-US" dirty="0"/>
+            <a:endParaRPr lang="en-US"/>
           </a:p>
         </p:txBody>
       </p:sp>
@@ -855,7 +1037,7 @@
           <a:bodyPr/>
           <a:lstStyle/>
           <a:p>
-            <a:endParaRPr lang="en-US" dirty="0"/>
+            <a:endParaRPr lang="en-US"/>
           </a:p>
         </p:txBody>
       </p:sp>
@@ -876,9 +1058,9 @@
           <a:p>
             <a:fld id="{6D22F896-40B5-4ADD-8801-0D06FADFA095}" type="slidenum">
               <a:rPr lang="en-US" smtClean="0"/>
-              <a:t>‹N°›</a:t>
+              <a:t>‹#›</a:t>
             </a:fld>
-            <a:endParaRPr lang="en-US" dirty="0"/>
+            <a:endParaRPr lang="en-US"/>
           </a:p>
         </p:txBody>
       </p:sp>
@@ -942,7 +1124,7 @@
               <a:rPr lang="fr-FR"/>
               <a:t>Modifiez le style du titre</a:t>
             </a:r>
-            <a:endParaRPr lang="en-US" dirty="0"/>
+            <a:endParaRPr lang="en-US"/>
           </a:p>
         </p:txBody>
       </p:sp>
@@ -1088,7 +1270,7 @@
               <a:pPr/>
               <a:t>4/3/2019</a:t>
             </a:fld>
-            <a:endParaRPr lang="en-US" dirty="0"/>
+            <a:endParaRPr lang="en-US"/>
           </a:p>
         </p:txBody>
       </p:sp>
@@ -1107,7 +1289,7 @@
           <a:bodyPr/>
           <a:lstStyle/>
           <a:p>
-            <a:endParaRPr lang="en-US" dirty="0"/>
+            <a:endParaRPr lang="en-US"/>
           </a:p>
         </p:txBody>
       </p:sp>
@@ -1129,9 +1311,9 @@
             <a:fld id="{6D22F896-40B5-4ADD-8801-0D06FADFA095}" type="slidenum">
               <a:rPr lang="en-US" smtClean="0"/>
               <a:pPr/>
-              <a:t>‹N°›</a:t>
+              <a:t>‹#›</a:t>
             </a:fld>
-            <a:endParaRPr lang="en-US" dirty="0"/>
+            <a:endParaRPr lang="en-US"/>
           </a:p>
         </p:txBody>
       </p:sp>
@@ -1195,7 +1377,7 @@
               <a:rPr lang="fr-FR"/>
               <a:t>Modifiez le style du titre</a:t>
             </a:r>
-            <a:endParaRPr lang="en-US" dirty="0"/>
+            <a:endParaRPr lang="en-US"/>
           </a:p>
         </p:txBody>
       </p:sp>
@@ -1404,7 +1586,7 @@
               <a:pPr/>
               <a:t>4/3/2019</a:t>
             </a:fld>
-            <a:endParaRPr lang="en-US" dirty="0"/>
+            <a:endParaRPr lang="en-US"/>
           </a:p>
         </p:txBody>
       </p:sp>
@@ -1423,7 +1605,7 @@
           <a:bodyPr/>
           <a:lstStyle/>
           <a:p>
-            <a:endParaRPr lang="en-US" dirty="0"/>
+            <a:endParaRPr lang="en-US"/>
           </a:p>
         </p:txBody>
       </p:sp>
@@ -1445,9 +1627,9 @@
             <a:fld id="{6D22F896-40B5-4ADD-8801-0D06FADFA095}" type="slidenum">
               <a:rPr lang="en-US" smtClean="0"/>
               <a:pPr/>
-              <a:t>‹N°›</a:t>
+              <a:t>‹#›</a:t>
             </a:fld>
-            <a:endParaRPr lang="en-US" dirty="0"/>
+            <a:endParaRPr lang="en-US"/>
           </a:p>
         </p:txBody>
       </p:sp>
@@ -1474,7 +1656,7 @@
           <a:p>
             <a:pPr lvl="0"/>
             <a:r>
-              <a:rPr lang="en-US" sz="8000" baseline="0" dirty="0">
+              <a:rPr lang="en-US" sz="8000" baseline="0">
                 <a:ln w="3175" cmpd="sng">
                   <a:noFill/>
                 </a:ln>
@@ -1515,7 +1697,7 @@
           <a:p>
             <a:pPr lvl="0"/>
             <a:r>
-              <a:rPr lang="en-US" sz="8000" baseline="0" dirty="0">
+              <a:rPr lang="en-US" sz="8000" baseline="0">
                 <a:ln w="3175" cmpd="sng">
                   <a:noFill/>
                 </a:ln>
@@ -1529,7 +1711,7 @@
               </a:rPr>
               <a:t>”</a:t>
             </a:r>
-            <a:endParaRPr lang="en-US" dirty="0">
+            <a:endParaRPr lang="en-US">
               <a:solidFill>
                 <a:schemeClr val="accent1">
                   <a:lumMod val="60000"/>
@@ -1601,7 +1783,7 @@
               <a:rPr lang="fr-FR"/>
               <a:t>Modifiez le style du titre</a:t>
             </a:r>
-            <a:endParaRPr lang="en-US" dirty="0"/>
+            <a:endParaRPr lang="en-US"/>
           </a:p>
         </p:txBody>
       </p:sp>
@@ -1747,7 +1929,7 @@
               <a:pPr/>
               <a:t>4/3/2019</a:t>
             </a:fld>
-            <a:endParaRPr lang="en-US" dirty="0"/>
+            <a:endParaRPr lang="en-US"/>
           </a:p>
         </p:txBody>
       </p:sp>
@@ -1766,7 +1948,7 @@
           <a:bodyPr/>
           <a:lstStyle/>
           <a:p>
-            <a:endParaRPr lang="en-US" dirty="0"/>
+            <a:endParaRPr lang="en-US"/>
           </a:p>
         </p:txBody>
       </p:sp>
@@ -1788,9 +1970,9 @@
             <a:fld id="{6D22F896-40B5-4ADD-8801-0D06FADFA095}" type="slidenum">
               <a:rPr lang="en-US" smtClean="0"/>
               <a:pPr/>
-              <a:t>‹N°›</a:t>
+              <a:t>‹#›</a:t>
             </a:fld>
-            <a:endParaRPr lang="en-US" dirty="0"/>
+            <a:endParaRPr lang="en-US"/>
           </a:p>
         </p:txBody>
       </p:sp>
@@ -1854,7 +2036,7 @@
               <a:rPr lang="fr-FR"/>
               <a:t>Modifiez le style du titre</a:t>
             </a:r>
-            <a:endParaRPr lang="en-US" dirty="0"/>
+            <a:endParaRPr lang="en-US"/>
           </a:p>
         </p:txBody>
       </p:sp>
@@ -2063,7 +2245,7 @@
               <a:pPr/>
               <a:t>4/3/2019</a:t>
             </a:fld>
-            <a:endParaRPr lang="en-US" dirty="0"/>
+            <a:endParaRPr lang="en-US"/>
           </a:p>
         </p:txBody>
       </p:sp>
@@ -2082,7 +2264,7 @@
           <a:bodyPr/>
           <a:lstStyle/>
           <a:p>
-            <a:endParaRPr lang="en-US" dirty="0"/>
+            <a:endParaRPr lang="en-US"/>
           </a:p>
         </p:txBody>
       </p:sp>
@@ -2104,9 +2286,9 @@
             <a:fld id="{6D22F896-40B5-4ADD-8801-0D06FADFA095}" type="slidenum">
               <a:rPr lang="en-US" smtClean="0"/>
               <a:pPr/>
-              <a:t>‹N°›</a:t>
+              <a:t>‹#›</a:t>
             </a:fld>
-            <a:endParaRPr lang="en-US" dirty="0"/>
+            <a:endParaRPr lang="en-US"/>
           </a:p>
         </p:txBody>
       </p:sp>
@@ -2133,7 +2315,7 @@
           <a:p>
             <a:pPr lvl="0"/>
             <a:r>
-              <a:rPr lang="en-US" sz="8000" baseline="0" dirty="0">
+              <a:rPr lang="en-US" sz="8000" baseline="0">
                 <a:ln w="3175" cmpd="sng">
                   <a:noFill/>
                 </a:ln>
@@ -2174,7 +2356,7 @@
           <a:p>
             <a:pPr lvl="0"/>
             <a:r>
-              <a:rPr lang="en-US" sz="8000" baseline="0" dirty="0">
+              <a:rPr lang="en-US" sz="8000" baseline="0">
                 <a:ln w="3175" cmpd="sng">
                   <a:noFill/>
                 </a:ln>
@@ -2252,7 +2434,7 @@
               <a:rPr lang="fr-FR"/>
               <a:t>Modifiez le style du titre</a:t>
             </a:r>
-            <a:endParaRPr lang="en-US" dirty="0"/>
+            <a:endParaRPr lang="en-US"/>
           </a:p>
         </p:txBody>
       </p:sp>
@@ -2458,7 +2640,7 @@
               <a:pPr/>
               <a:t>4/3/2019</a:t>
             </a:fld>
-            <a:endParaRPr lang="en-US" dirty="0"/>
+            <a:endParaRPr lang="en-US"/>
           </a:p>
         </p:txBody>
       </p:sp>
@@ -2477,7 +2659,7 @@
           <a:bodyPr/>
           <a:lstStyle/>
           <a:p>
-            <a:endParaRPr lang="en-US" dirty="0"/>
+            <a:endParaRPr lang="en-US"/>
           </a:p>
         </p:txBody>
       </p:sp>
@@ -2499,9 +2681,9 @@
             <a:fld id="{6D22F896-40B5-4ADD-8801-0D06FADFA095}" type="slidenum">
               <a:rPr lang="en-US" smtClean="0"/>
               <a:pPr/>
-              <a:t>‹N°›</a:t>
+              <a:t>‹#›</a:t>
             </a:fld>
-            <a:endParaRPr lang="en-US" dirty="0"/>
+            <a:endParaRPr lang="en-US"/>
           </a:p>
         </p:txBody>
       </p:sp>
@@ -2554,7 +2736,7 @@
               <a:rPr lang="fr-FR"/>
               <a:t>Modifiez le style du titre</a:t>
             </a:r>
-            <a:endParaRPr lang="en-US" dirty="0"/>
+            <a:endParaRPr lang="en-US"/>
           </a:p>
         </p:txBody>
       </p:sp>
@@ -2606,7 +2788,7 @@
               <a:rPr lang="fr-FR"/>
               <a:t>Cinquième niveau</a:t>
             </a:r>
-            <a:endParaRPr lang="en-US" dirty="0"/>
+            <a:endParaRPr lang="en-US"/>
           </a:p>
         </p:txBody>
       </p:sp>
@@ -2629,7 +2811,7 @@
               <a:rPr lang="en-US" smtClean="0"/>
               <a:t>4/3/2019</a:t>
             </a:fld>
-            <a:endParaRPr lang="en-US" dirty="0"/>
+            <a:endParaRPr lang="en-US"/>
           </a:p>
         </p:txBody>
       </p:sp>
@@ -2648,7 +2830,7 @@
           <a:bodyPr/>
           <a:lstStyle/>
           <a:p>
-            <a:endParaRPr lang="en-US" dirty="0"/>
+            <a:endParaRPr lang="en-US"/>
           </a:p>
         </p:txBody>
       </p:sp>
@@ -2669,9 +2851,9 @@
           <a:p>
             <a:fld id="{6D22F896-40B5-4ADD-8801-0D06FADFA095}" type="slidenum">
               <a:rPr lang="en-US" smtClean="0"/>
-              <a:t>‹N°›</a:t>
+              <a:t>‹#›</a:t>
             </a:fld>
-            <a:endParaRPr lang="en-US" dirty="0"/>
+            <a:endParaRPr lang="en-US"/>
           </a:p>
         </p:txBody>
       </p:sp>
@@ -2729,7 +2911,7 @@
               <a:rPr lang="fr-FR"/>
               <a:t>Modifiez le style du titre</a:t>
             </a:r>
-            <a:endParaRPr lang="en-US" dirty="0"/>
+            <a:endParaRPr lang="en-US"/>
           </a:p>
         </p:txBody>
       </p:sp>
@@ -2786,7 +2968,7 @@
               <a:rPr lang="fr-FR"/>
               <a:t>Cinquième niveau</a:t>
             </a:r>
-            <a:endParaRPr lang="en-US" dirty="0"/>
+            <a:endParaRPr lang="en-US"/>
           </a:p>
         </p:txBody>
       </p:sp>
@@ -2809,7 +2991,7 @@
               <a:rPr lang="en-US" smtClean="0"/>
               <a:t>4/3/2019</a:t>
             </a:fld>
-            <a:endParaRPr lang="en-US" dirty="0"/>
+            <a:endParaRPr lang="en-US"/>
           </a:p>
         </p:txBody>
       </p:sp>
@@ -2828,7 +3010,7 @@
           <a:bodyPr/>
           <a:lstStyle/>
           <a:p>
-            <a:endParaRPr lang="en-US" dirty="0"/>
+            <a:endParaRPr lang="en-US"/>
           </a:p>
         </p:txBody>
       </p:sp>
@@ -2849,9 +3031,9 @@
           <a:p>
             <a:fld id="{6D22F896-40B5-4ADD-8801-0D06FADFA095}" type="slidenum">
               <a:rPr lang="en-US" smtClean="0"/>
-              <a:t>‹N°›</a:t>
+              <a:t>‹#›</a:t>
             </a:fld>
-            <a:endParaRPr lang="en-US" dirty="0"/>
+            <a:endParaRPr lang="en-US"/>
           </a:p>
         </p:txBody>
       </p:sp>
@@ -2910,7 +3092,7 @@
               <a:rPr lang="fr-FR"/>
               <a:t>Modifiez le style du titre</a:t>
             </a:r>
-            <a:endParaRPr lang="en-US" dirty="0"/>
+            <a:endParaRPr lang="en-US"/>
           </a:p>
         </p:txBody>
       </p:sp>
@@ -2962,7 +3144,7 @@
               <a:rPr lang="fr-FR"/>
               <a:t>Cinquième niveau</a:t>
             </a:r>
-            <a:endParaRPr lang="en-US" dirty="0"/>
+            <a:endParaRPr lang="en-US"/>
           </a:p>
         </p:txBody>
       </p:sp>
@@ -2985,7 +3167,7 @@
               <a:rPr lang="en-US" smtClean="0"/>
               <a:t>4/3/2019</a:t>
             </a:fld>
-            <a:endParaRPr lang="en-US" dirty="0"/>
+            <a:endParaRPr lang="en-US"/>
           </a:p>
         </p:txBody>
       </p:sp>
@@ -3004,7 +3186,7 @@
           <a:bodyPr/>
           <a:lstStyle/>
           <a:p>
-            <a:endParaRPr lang="en-US" dirty="0"/>
+            <a:endParaRPr lang="en-US"/>
           </a:p>
         </p:txBody>
       </p:sp>
@@ -3025,9 +3207,9 @@
           <a:p>
             <a:fld id="{6D22F896-40B5-4ADD-8801-0D06FADFA095}" type="slidenum">
               <a:rPr lang="en-US" smtClean="0"/>
-              <a:t>‹N°›</a:t>
+              <a:t>‹#›</a:t>
             </a:fld>
-            <a:endParaRPr lang="en-US" dirty="0"/>
+            <a:endParaRPr lang="en-US"/>
           </a:p>
         </p:txBody>
       </p:sp>
@@ -3089,7 +3271,7 @@
               <a:rPr lang="fr-FR"/>
               <a:t>Modifiez le style du titre</a:t>
             </a:r>
-            <a:endParaRPr lang="en-US" dirty="0"/>
+            <a:endParaRPr lang="en-US"/>
           </a:p>
         </p:txBody>
       </p:sp>
@@ -3232,7 +3414,7 @@
               <a:rPr lang="en-US" smtClean="0"/>
               <a:t>4/3/2019</a:t>
             </a:fld>
-            <a:endParaRPr lang="en-US" dirty="0"/>
+            <a:endParaRPr lang="en-US"/>
           </a:p>
         </p:txBody>
       </p:sp>
@@ -3251,7 +3433,7 @@
           <a:bodyPr/>
           <a:lstStyle/>
           <a:p>
-            <a:endParaRPr lang="en-US" dirty="0"/>
+            <a:endParaRPr lang="en-US"/>
           </a:p>
         </p:txBody>
       </p:sp>
@@ -3272,9 +3454,9 @@
           <a:p>
             <a:fld id="{6D22F896-40B5-4ADD-8801-0D06FADFA095}" type="slidenum">
               <a:rPr lang="en-US" smtClean="0"/>
-              <a:t>‹N°›</a:t>
+              <a:t>‹#›</a:t>
             </a:fld>
-            <a:endParaRPr lang="en-US" dirty="0"/>
+            <a:endParaRPr lang="en-US"/>
           </a:p>
         </p:txBody>
       </p:sp>
@@ -3327,7 +3509,7 @@
               <a:rPr lang="fr-FR"/>
               <a:t>Modifiez le style du titre</a:t>
             </a:r>
-            <a:endParaRPr lang="en-US" dirty="0"/>
+            <a:endParaRPr lang="en-US"/>
           </a:p>
         </p:txBody>
       </p:sp>
@@ -3384,7 +3566,7 @@
               <a:rPr lang="fr-FR"/>
               <a:t>Cinquième niveau</a:t>
             </a:r>
-            <a:endParaRPr lang="en-US" dirty="0"/>
+            <a:endParaRPr lang="en-US"/>
           </a:p>
         </p:txBody>
       </p:sp>
@@ -3441,7 +3623,7 @@
               <a:rPr lang="fr-FR"/>
               <a:t>Cinquième niveau</a:t>
             </a:r>
-            <a:endParaRPr lang="en-US" dirty="0"/>
+            <a:endParaRPr lang="en-US"/>
           </a:p>
         </p:txBody>
       </p:sp>
@@ -3464,7 +3646,7 @@
               <a:rPr lang="en-US" smtClean="0"/>
               <a:t>4/3/2019</a:t>
             </a:fld>
-            <a:endParaRPr lang="en-US" dirty="0"/>
+            <a:endParaRPr lang="en-US"/>
           </a:p>
         </p:txBody>
       </p:sp>
@@ -3483,7 +3665,7 @@
           <a:bodyPr/>
           <a:lstStyle/>
           <a:p>
-            <a:endParaRPr lang="en-US" dirty="0"/>
+            <a:endParaRPr lang="en-US"/>
           </a:p>
         </p:txBody>
       </p:sp>
@@ -3504,9 +3686,9 @@
           <a:p>
             <a:fld id="{6D22F896-40B5-4ADD-8801-0D06FADFA095}" type="slidenum">
               <a:rPr lang="en-US" smtClean="0"/>
-              <a:t>‹N°›</a:t>
+              <a:t>‹#›</a:t>
             </a:fld>
-            <a:endParaRPr lang="en-US" dirty="0"/>
+            <a:endParaRPr lang="en-US"/>
           </a:p>
         </p:txBody>
       </p:sp>
@@ -3563,7 +3745,7 @@
               <a:rPr lang="fr-FR"/>
               <a:t>Modifiez le style du titre</a:t>
             </a:r>
-            <a:endParaRPr lang="en-US" dirty="0"/>
+            <a:endParaRPr lang="en-US"/>
           </a:p>
         </p:txBody>
       </p:sp>
@@ -3689,7 +3871,7 @@
               <a:rPr lang="fr-FR"/>
               <a:t>Cinquième niveau</a:t>
             </a:r>
-            <a:endParaRPr lang="en-US" dirty="0"/>
+            <a:endParaRPr lang="en-US"/>
           </a:p>
         </p:txBody>
       </p:sp>
@@ -3815,7 +3997,7 @@
               <a:rPr lang="fr-FR"/>
               <a:t>Cinquième niveau</a:t>
             </a:r>
-            <a:endParaRPr lang="en-US" dirty="0"/>
+            <a:endParaRPr lang="en-US"/>
           </a:p>
         </p:txBody>
       </p:sp>
@@ -3838,7 +4020,7 @@
               <a:rPr lang="en-US" smtClean="0"/>
               <a:t>4/3/2019</a:t>
             </a:fld>
-            <a:endParaRPr lang="en-US" dirty="0"/>
+            <a:endParaRPr lang="en-US"/>
           </a:p>
         </p:txBody>
       </p:sp>
@@ -3857,7 +4039,7 @@
           <a:bodyPr/>
           <a:lstStyle/>
           <a:p>
-            <a:endParaRPr lang="en-US" dirty="0"/>
+            <a:endParaRPr lang="en-US"/>
           </a:p>
         </p:txBody>
       </p:sp>
@@ -3878,9 +4060,9 @@
           <a:p>
             <a:fld id="{6D22F896-40B5-4ADD-8801-0D06FADFA095}" type="slidenum">
               <a:rPr lang="en-US" smtClean="0"/>
-              <a:t>‹N°›</a:t>
+              <a:t>‹#›</a:t>
             </a:fld>
-            <a:endParaRPr lang="en-US" dirty="0"/>
+            <a:endParaRPr lang="en-US"/>
           </a:p>
         </p:txBody>
       </p:sp>
@@ -3938,7 +4120,7 @@
               <a:rPr lang="fr-FR"/>
               <a:t>Modifiez le style du titre</a:t>
             </a:r>
-            <a:endParaRPr lang="en-US" dirty="0"/>
+            <a:endParaRPr lang="en-US"/>
           </a:p>
         </p:txBody>
       </p:sp>
@@ -3961,7 +4143,7 @@
               <a:rPr lang="en-US" smtClean="0"/>
               <a:t>4/3/2019</a:t>
             </a:fld>
-            <a:endParaRPr lang="en-US" dirty="0"/>
+            <a:endParaRPr lang="en-US"/>
           </a:p>
         </p:txBody>
       </p:sp>
@@ -3980,7 +4162,7 @@
           <a:bodyPr/>
           <a:lstStyle/>
           <a:p>
-            <a:endParaRPr lang="en-US" dirty="0"/>
+            <a:endParaRPr lang="en-US"/>
           </a:p>
         </p:txBody>
       </p:sp>
@@ -4001,9 +4183,9 @@
           <a:p>
             <a:fld id="{6D22F896-40B5-4ADD-8801-0D06FADFA095}" type="slidenum">
               <a:rPr lang="en-US" smtClean="0"/>
-              <a:t>‹N°›</a:t>
+              <a:t>‹#›</a:t>
             </a:fld>
-            <a:endParaRPr lang="en-US" dirty="0"/>
+            <a:endParaRPr lang="en-US"/>
           </a:p>
         </p:txBody>
       </p:sp>
@@ -4056,7 +4238,7 @@
               <a:rPr lang="en-US" smtClean="0"/>
               <a:t>4/3/2019</a:t>
             </a:fld>
-            <a:endParaRPr lang="en-US" dirty="0"/>
+            <a:endParaRPr lang="en-US"/>
           </a:p>
         </p:txBody>
       </p:sp>
@@ -4075,7 +4257,7 @@
           <a:bodyPr/>
           <a:lstStyle/>
           <a:p>
-            <a:endParaRPr lang="en-US" dirty="0"/>
+            <a:endParaRPr lang="en-US"/>
           </a:p>
         </p:txBody>
       </p:sp>
@@ -4096,9 +4278,9 @@
           <a:p>
             <a:fld id="{6D22F896-40B5-4ADD-8801-0D06FADFA095}" type="slidenum">
               <a:rPr lang="en-US" smtClean="0"/>
-              <a:t>‹N°›</a:t>
+              <a:t>‹#›</a:t>
             </a:fld>
-            <a:endParaRPr lang="en-US" dirty="0"/>
+            <a:endParaRPr lang="en-US"/>
           </a:p>
         </p:txBody>
       </p:sp>
@@ -4162,7 +4344,7 @@
               <a:rPr lang="fr-FR"/>
               <a:t>Modifiez le style du titre</a:t>
             </a:r>
-            <a:endParaRPr lang="en-US" dirty="0"/>
+            <a:endParaRPr lang="en-US"/>
           </a:p>
         </p:txBody>
       </p:sp>
@@ -4221,7 +4403,7 @@
               <a:rPr lang="fr-FR"/>
               <a:t>Cinquième niveau</a:t>
             </a:r>
-            <a:endParaRPr lang="en-US" dirty="0"/>
+            <a:endParaRPr lang="en-US"/>
           </a:p>
         </p:txBody>
       </p:sp>
@@ -4311,7 +4493,7 @@
               <a:rPr lang="en-US" smtClean="0"/>
               <a:t>4/3/2019</a:t>
             </a:fld>
-            <a:endParaRPr lang="en-US" dirty="0"/>
+            <a:endParaRPr lang="en-US"/>
           </a:p>
         </p:txBody>
       </p:sp>
@@ -4330,7 +4512,7 @@
           <a:bodyPr/>
           <a:lstStyle/>
           <a:p>
-            <a:endParaRPr lang="en-US" dirty="0"/>
+            <a:endParaRPr lang="en-US"/>
           </a:p>
         </p:txBody>
       </p:sp>
@@ -4351,9 +4533,9 @@
           <a:p>
             <a:fld id="{6D22F896-40B5-4ADD-8801-0D06FADFA095}" type="slidenum">
               <a:rPr lang="en-US" smtClean="0"/>
-              <a:t>‹N°›</a:t>
+              <a:t>‹#›</a:t>
             </a:fld>
-            <a:endParaRPr lang="en-US" dirty="0"/>
+            <a:endParaRPr lang="en-US"/>
           </a:p>
         </p:txBody>
       </p:sp>
@@ -4417,7 +4599,7 @@
               <a:rPr lang="fr-FR"/>
               <a:t>Modifiez le style du titre</a:t>
             </a:r>
-            <a:endParaRPr lang="en-US" dirty="0"/>
+            <a:endParaRPr lang="en-US"/>
           </a:p>
         </p:txBody>
       </p:sp>
@@ -4484,7 +4666,7 @@
               <a:rPr lang="fr-FR"/>
               <a:t>Cliquez sur l'icône pour ajouter une image</a:t>
             </a:r>
-            <a:endParaRPr lang="en-US" dirty="0"/>
+            <a:endParaRPr lang="en-US"/>
           </a:p>
         </p:txBody>
       </p:sp>
@@ -4574,7 +4756,7 @@
               <a:rPr lang="en-US" smtClean="0"/>
               <a:t>4/3/2019</a:t>
             </a:fld>
-            <a:endParaRPr lang="en-US" dirty="0"/>
+            <a:endParaRPr lang="en-US"/>
           </a:p>
         </p:txBody>
       </p:sp>
@@ -4593,7 +4775,7 @@
           <a:bodyPr/>
           <a:lstStyle/>
           <a:p>
-            <a:endParaRPr lang="en-US" dirty="0"/>
+            <a:endParaRPr lang="en-US"/>
           </a:p>
         </p:txBody>
       </p:sp>
@@ -4614,9 +4796,9 @@
           <a:p>
             <a:fld id="{6D22F896-40B5-4ADD-8801-0D06FADFA095}" type="slidenum">
               <a:rPr lang="en-US" smtClean="0"/>
-              <a:t>‹N°›</a:t>
+              <a:t>‹#›</a:t>
             </a:fld>
-            <a:endParaRPr lang="en-US" dirty="0"/>
+            <a:endParaRPr lang="en-US"/>
           </a:p>
         </p:txBody>
       </p:sp>
@@ -5214,7 +5396,7 @@
               <a:rPr lang="fr-FR"/>
               <a:t>Modifiez le style du titre</a:t>
             </a:r>
-            <a:endParaRPr lang="en-US" dirty="0"/>
+            <a:endParaRPr lang="en-US"/>
           </a:p>
         </p:txBody>
       </p:sp>
@@ -5276,7 +5458,7 @@
               <a:rPr lang="fr-FR"/>
               <a:t>Cinquième niveau</a:t>
             </a:r>
-            <a:endParaRPr lang="en-US" dirty="0"/>
+            <a:endParaRPr lang="en-US"/>
           </a:p>
         </p:txBody>
       </p:sp>
@@ -5318,7 +5500,7 @@
               <a:pPr/>
               <a:t>4/3/2019</a:t>
             </a:fld>
-            <a:endParaRPr lang="en-US" dirty="0"/>
+            <a:endParaRPr lang="en-US"/>
           </a:p>
         </p:txBody>
       </p:sp>
@@ -5355,7 +5537,7 @@
             </a:lvl1pPr>
           </a:lstStyle>
           <a:p>
-            <a:endParaRPr lang="en-US" dirty="0"/>
+            <a:endParaRPr lang="en-US"/>
           </a:p>
         </p:txBody>
       </p:sp>
@@ -5393,9 +5575,9 @@
             <a:fld id="{6D22F896-40B5-4ADD-8801-0D06FADFA095}" type="slidenum">
               <a:rPr lang="en-US" smtClean="0"/>
               <a:pPr/>
-              <a:t>‹N°›</a:t>
+              <a:t>‹#›</a:t>
             </a:fld>
-            <a:endParaRPr lang="en-US" dirty="0"/>
+            <a:endParaRPr lang="en-US"/>
           </a:p>
         </p:txBody>
       </p:sp>
@@ -5866,15 +6048,15 @@
           <a:p>
             <a:pPr algn="ctr"/>
             <a:r>
-              <a:rPr lang="fr-FR" sz="2800" dirty="0"/>
+              <a:rPr lang="fr-FR" sz="2800"/>
               <a:t>Projet de POO </a:t>
             </a:r>
           </a:p>
           <a:p>
             <a:pPr algn="ctr"/>
             <a:r>
-              <a:rPr lang="fr-FR" sz="2800" dirty="0"/>
-              <a:t>BODART – MONTEUIL - VERSCHAEVE</a:t>
+              <a:rPr lang="fr-FR" sz="2800"/>
+              <a:t>BODART – MONTEIL - VERSCHAEVE</a:t>
             </a:r>
           </a:p>
         </p:txBody>
@@ -5970,7 +6152,7 @@
           <a:lstStyle/>
           <a:p>
             <a:r>
-              <a:rPr lang="fr-FR" dirty="0"/>
+              <a:rPr lang="fr-FR"/>
               <a:t>Objectifs </a:t>
             </a:r>
           </a:p>
@@ -5992,37 +6174,44 @@
             <p:ph idx="1"/>
           </p:nvPr>
         </p:nvSpPr>
-        <p:spPr/>
-        <p:txBody>
-          <a:bodyPr/>
-          <a:lstStyle/>
-          <a:p>
-            <a:r>
-              <a:rPr lang="fr-FR" dirty="0"/>
-              <a:t>Créer un modèle objet pertinent </a:t>
-            </a:r>
-          </a:p>
-          <a:p>
-            <a:r>
-              <a:rPr lang="fr-FR" dirty="0"/>
+        <p:spPr>
+          <a:xfrm>
+            <a:off x="677334" y="2160589"/>
+            <a:ext cx="9689347" cy="3880773"/>
+          </a:xfrm>
+        </p:spPr>
+        <p:txBody>
+          <a:bodyPr vert="horz" lIns="91440" tIns="45720" rIns="91440" bIns="45720" rtlCol="0" anchor="t">
+            <a:normAutofit/>
+          </a:bodyPr>
+          <a:lstStyle/>
+          <a:p>
+            <a:r>
+              <a:rPr lang="fr-FR" sz="2400"/>
+              <a:t>Créer un modèle objet pertinent </a:t>
+            </a:r>
+          </a:p>
+          <a:p>
+            <a:r>
+              <a:rPr lang="fr-FR" sz="2400"/>
               <a:t>Gérer des processus avec des threads</a:t>
             </a:r>
           </a:p>
           <a:p>
             <a:r>
-              <a:rPr lang="fr-FR" dirty="0"/>
+              <a:rPr lang="fr-FR" sz="2400"/>
               <a:t>Echanger entre processus via des sockets</a:t>
             </a:r>
           </a:p>
           <a:p>
             <a:r>
-              <a:rPr lang="fr-FR" dirty="0"/>
-              <a:t>Stocker/Lire des données dans une base de données </a:t>
-            </a:r>
-          </a:p>
-          <a:p>
-            <a:r>
-              <a:rPr lang="fr-FR" dirty="0"/>
+              <a:rPr lang="fr-FR" sz="2400"/>
+              <a:t>Stocker/Lire des données dans une base de données </a:t>
+            </a:r>
+          </a:p>
+          <a:p>
+            <a:r>
+              <a:rPr lang="fr-FR" sz="2400"/>
               <a:t>Echange d’objets entre le client et le serveur via des sockets</a:t>
             </a:r>
           </a:p>
@@ -6080,7 +6269,7 @@
           <a:lstStyle/>
           <a:p>
             <a:r>
-              <a:rPr lang="fr-FR" dirty="0"/>
+              <a:rPr lang="fr-FR"/>
               <a:t>Répartition des tâches</a:t>
             </a:r>
           </a:p>
@@ -6102,14 +6291,14 @@
             <p:ph idx="1"/>
             <p:extLst>
               <p:ext uri="{D42A27DB-BD31-4B8C-83A1-F6EECF244321}">
-                <p14:modId xmlns:p14="http://schemas.microsoft.com/office/powerpoint/2010/main" val="3519737603"/>
+                <p14:modId xmlns:p14="http://schemas.microsoft.com/office/powerpoint/2010/main" val="682478909"/>
               </p:ext>
             </p:extLst>
           </p:nvPr>
         </p:nvGraphicFramePr>
         <p:xfrm>
-          <a:off x="962526" y="1930399"/>
-          <a:ext cx="8085221" cy="3475477"/>
+          <a:off x="186905" y="1667773"/>
+          <a:ext cx="11888500" cy="4556119"/>
         </p:xfrm>
         <a:graphic>
           <a:graphicData uri="http://schemas.openxmlformats.org/drawingml/2006/table">
@@ -6118,14 +6307,14 @@
                 <a:tableStyleId>{5C22544A-7EE6-4342-B048-85BDC9FD1C3A}</a:tableStyleId>
               </a:tblPr>
               <a:tblGrid>
-                <a:gridCol w="5245769">
+                <a:gridCol w="7893017">
                   <a:extLst>
                     <a:ext uri="{9D8B030D-6E8A-4147-A177-3AD203B41FA5}">
                       <a16:colId xmlns:a16="http://schemas.microsoft.com/office/drawing/2014/main" val="1575576463"/>
                     </a:ext>
                   </a:extLst>
                 </a:gridCol>
-                <a:gridCol w="2839452">
+                <a:gridCol w="3995483">
                   <a:extLst>
                     <a:ext uri="{9D8B030D-6E8A-4147-A177-3AD203B41FA5}">
                       <a16:colId xmlns:a16="http://schemas.microsoft.com/office/drawing/2014/main" val="2391241008"/>
@@ -6133,7 +6322,7 @@
                   </a:extLst>
                 </a:gridCol>
               </a:tblGrid>
-              <a:tr h="391926">
+              <a:tr h="595015">
                 <a:tc>
                   <a:txBody>
                     <a:bodyPr/>
@@ -6148,16 +6337,16 @@
                         </a:spcAft>
                       </a:pPr>
                       <a:r>
-                        <a:rPr lang="fr-FR" sz="2400">
+                        <a:rPr lang="fr-FR" sz="2800">
                           <a:effectLst/>
                         </a:rPr>
                         <a:t>Objectif</a:t>
                       </a:r>
-                      <a:endParaRPr lang="fr-FR" sz="1400">
+                      <a:endParaRPr lang="fr-FR" sz="2800">
                         <a:effectLst/>
-                        <a:latin typeface="Calibri" panose="020F0502020204030204" pitchFamily="34" charset="0"/>
+                        <a:latin typeface="Calibri"/>
                         <a:ea typeface="Calibri" panose="020F0502020204030204" pitchFamily="34" charset="0"/>
-                        <a:cs typeface="Times New Roman" panose="02020603050405020304" pitchFamily="18" charset="0"/>
+                        <a:cs typeface="Times New Roman"/>
                       </a:endParaRPr>
                     </a:p>
                   </a:txBody>
@@ -6182,11 +6371,11 @@
                         </a:rPr>
                         <a:t>Responsable</a:t>
                       </a:r>
-                      <a:endParaRPr lang="fr-FR" sz="1600">
+                      <a:endParaRPr lang="fr-FR" sz="2800">
                         <a:effectLst/>
-                        <a:latin typeface="Calibri" panose="020F0502020204030204" pitchFamily="34" charset="0"/>
+                        <a:latin typeface="Calibri"/>
                         <a:ea typeface="Calibri" panose="020F0502020204030204" pitchFamily="34" charset="0"/>
-                        <a:cs typeface="Times New Roman" panose="02020603050405020304" pitchFamily="18" charset="0"/>
+                        <a:cs typeface="Times New Roman"/>
                       </a:endParaRPr>
                     </a:p>
                   </a:txBody>
@@ -6198,7 +6387,7 @@
                   </a:ext>
                 </a:extLst>
               </a:tr>
-              <a:tr h="351670">
+              <a:tr h="459012">
                 <a:tc>
                   <a:txBody>
                     <a:bodyPr/>
@@ -6213,16 +6402,16 @@
                         </a:spcAft>
                       </a:pPr>
                       <a:r>
-                        <a:rPr lang="fr-FR" sz="1800">
+                        <a:rPr lang="fr-FR" sz="2400">
                           <a:effectLst/>
                         </a:rPr>
                         <a:t>Créer un modèle objet pertinent</a:t>
                       </a:r>
-                      <a:endParaRPr lang="fr-FR" sz="1400">
+                      <a:endParaRPr lang="fr-FR" sz="2400">
                         <a:effectLst/>
-                        <a:latin typeface="Calibri" panose="020F0502020204030204" pitchFamily="34" charset="0"/>
+                        <a:latin typeface="Calibri"/>
                         <a:ea typeface="Calibri" panose="020F0502020204030204" pitchFamily="34" charset="0"/>
-                        <a:cs typeface="Times New Roman" panose="02020603050405020304" pitchFamily="18" charset="0"/>
+                        <a:cs typeface="Times New Roman"/>
                       </a:endParaRPr>
                     </a:p>
                   </a:txBody>
@@ -6242,16 +6431,16 @@
                         </a:spcAft>
                       </a:pPr>
                       <a:r>
-                        <a:rPr lang="fr-FR" sz="1600">
+                        <a:rPr lang="fr-FR" sz="2400">
                           <a:effectLst/>
                         </a:rPr>
                         <a:t>François</a:t>
                       </a:r>
-                      <a:endParaRPr lang="fr-FR" sz="1600">
+                      <a:endParaRPr lang="fr-FR" sz="2400">
                         <a:effectLst/>
-                        <a:latin typeface="Calibri" panose="020F0502020204030204" pitchFamily="34" charset="0"/>
+                        <a:latin typeface="Calibri"/>
                         <a:ea typeface="Calibri" panose="020F0502020204030204" pitchFamily="34" charset="0"/>
-                        <a:cs typeface="Times New Roman" panose="02020603050405020304" pitchFamily="18" charset="0"/>
+                        <a:cs typeface="Times New Roman"/>
                       </a:endParaRPr>
                     </a:p>
                   </a:txBody>
@@ -6263,7 +6452,7 @@
                   </a:ext>
                 </a:extLst>
               </a:tr>
-              <a:tr h="491715">
+              <a:tr h="646017">
                 <a:tc>
                   <a:txBody>
                     <a:bodyPr/>
@@ -6278,16 +6467,16 @@
                         </a:spcAft>
                       </a:pPr>
                       <a:r>
-                        <a:rPr lang="fr-FR" sz="1800">
+                        <a:rPr lang="fr-FR" sz="2400">
                           <a:effectLst/>
                         </a:rPr>
                         <a:t>Gérer des processus légers (Thread)</a:t>
                       </a:r>
-                      <a:endParaRPr lang="fr-FR" sz="1400">
+                      <a:endParaRPr lang="fr-FR" sz="2400">
                         <a:effectLst/>
-                        <a:latin typeface="Calibri" panose="020F0502020204030204" pitchFamily="34" charset="0"/>
+                        <a:latin typeface="Calibri"/>
                         <a:ea typeface="Calibri" panose="020F0502020204030204" pitchFamily="34" charset="0"/>
-                        <a:cs typeface="Times New Roman" panose="02020603050405020304" pitchFamily="18" charset="0"/>
+                        <a:cs typeface="Times New Roman"/>
                       </a:endParaRPr>
                     </a:p>
                   </a:txBody>
@@ -6307,16 +6496,16 @@
                         </a:spcAft>
                       </a:pPr>
                       <a:r>
-                        <a:rPr lang="fr-FR" sz="1600" dirty="0">
+                        <a:rPr lang="fr-FR" sz="2400">
                           <a:effectLst/>
                         </a:rPr>
                         <a:t>François/Flavien/Alexandre</a:t>
                       </a:r>
-                      <a:endParaRPr lang="fr-FR" sz="1600" dirty="0">
+                      <a:endParaRPr lang="fr-FR" sz="2400">
                         <a:effectLst/>
-                        <a:latin typeface="Calibri" panose="020F0502020204030204" pitchFamily="34" charset="0"/>
+                        <a:latin typeface="Calibri"/>
                         <a:ea typeface="Calibri" panose="020F0502020204030204" pitchFamily="34" charset="0"/>
-                        <a:cs typeface="Times New Roman" panose="02020603050405020304" pitchFamily="18" charset="0"/>
+                        <a:cs typeface="Times New Roman"/>
                       </a:endParaRPr>
                     </a:p>
                   </a:txBody>
@@ -6328,7 +6517,7 @@
                   </a:ext>
                 </a:extLst>
               </a:tr>
-              <a:tr h="351670">
+              <a:tr h="459012">
                 <a:tc>
                   <a:txBody>
                     <a:bodyPr/>
@@ -6343,16 +6532,16 @@
                         </a:spcAft>
                       </a:pPr>
                       <a:r>
-                        <a:rPr lang="fr-FR" sz="1800">
+                        <a:rPr lang="fr-FR" sz="2400">
                           <a:effectLst/>
                         </a:rPr>
                         <a:t>Échanger entre processus via des sockets</a:t>
                       </a:r>
-                      <a:endParaRPr lang="fr-FR" sz="1400">
+                      <a:endParaRPr lang="fr-FR" sz="2400">
                         <a:effectLst/>
-                        <a:latin typeface="Calibri" panose="020F0502020204030204" pitchFamily="34" charset="0"/>
+                        <a:latin typeface="Calibri"/>
                         <a:ea typeface="Calibri" panose="020F0502020204030204" pitchFamily="34" charset="0"/>
-                        <a:cs typeface="Times New Roman" panose="02020603050405020304" pitchFamily="18" charset="0"/>
+                        <a:cs typeface="Times New Roman"/>
                       </a:endParaRPr>
                     </a:p>
                   </a:txBody>
@@ -6372,16 +6561,16 @@
                         </a:spcAft>
                       </a:pPr>
                       <a:r>
-                        <a:rPr lang="fr-FR" sz="1600">
+                        <a:rPr lang="fr-FR" sz="2400">
                           <a:effectLst/>
                         </a:rPr>
                         <a:t>François/Alexandre</a:t>
                       </a:r>
-                      <a:endParaRPr lang="fr-FR" sz="1600">
+                      <a:endParaRPr lang="fr-FR" sz="2400">
                         <a:effectLst/>
-                        <a:latin typeface="Calibri" panose="020F0502020204030204" pitchFamily="34" charset="0"/>
+                        <a:latin typeface="Calibri"/>
                         <a:ea typeface="Calibri" panose="020F0502020204030204" pitchFamily="34" charset="0"/>
-                        <a:cs typeface="Times New Roman" panose="02020603050405020304" pitchFamily="18" charset="0"/>
+                        <a:cs typeface="Times New Roman"/>
                       </a:endParaRPr>
                     </a:p>
                   </a:txBody>
@@ -6393,7 +6582,7 @@
                   </a:ext>
                 </a:extLst>
               </a:tr>
-              <a:tr h="747077">
+              <a:tr h="969025">
                 <a:tc>
                   <a:txBody>
                     <a:bodyPr/>
@@ -6408,16 +6597,16 @@
                         </a:spcAft>
                       </a:pPr>
                       <a:r>
-                        <a:rPr lang="fr-FR" sz="1800" dirty="0">
+                        <a:rPr lang="fr-FR" sz="2400">
                           <a:effectLst/>
                         </a:rPr>
-                        <a:t>Stocker/lire des données dans une base de données. </a:t>
+                        <a:t>Stocker/lire des données dans une base de données. </a:t>
                       </a:r>
-                      <a:endParaRPr lang="fr-FR" sz="1400" dirty="0">
+                      <a:endParaRPr lang="fr-FR" sz="2400">
                         <a:effectLst/>
-                        <a:latin typeface="Calibri" panose="020F0502020204030204" pitchFamily="34" charset="0"/>
+                        <a:latin typeface="Calibri"/>
                         <a:ea typeface="Calibri" panose="020F0502020204030204" pitchFamily="34" charset="0"/>
-                        <a:cs typeface="Times New Roman" panose="02020603050405020304" pitchFamily="18" charset="0"/>
+                        <a:cs typeface="Times New Roman"/>
                       </a:endParaRPr>
                     </a:p>
                   </a:txBody>
@@ -6437,16 +6626,16 @@
                         </a:spcAft>
                       </a:pPr>
                       <a:r>
-                        <a:rPr lang="fr-FR" sz="1600">
+                        <a:rPr lang="fr-FR" sz="2400">
                           <a:effectLst/>
                         </a:rPr>
                         <a:t>Flavien/Alexandre</a:t>
                       </a:r>
-                      <a:endParaRPr lang="fr-FR" sz="1600">
+                      <a:endParaRPr lang="fr-FR" sz="2400">
                         <a:effectLst/>
-                        <a:latin typeface="Calibri" panose="020F0502020204030204" pitchFamily="34" charset="0"/>
+                        <a:latin typeface="Calibri"/>
                         <a:ea typeface="Calibri" panose="020F0502020204030204" pitchFamily="34" charset="0"/>
-                        <a:cs typeface="Times New Roman" panose="02020603050405020304" pitchFamily="18" charset="0"/>
+                        <a:cs typeface="Times New Roman"/>
                       </a:endParaRPr>
                     </a:p>
                   </a:txBody>
@@ -6458,7 +6647,7 @@
                   </a:ext>
                 </a:extLst>
               </a:tr>
-              <a:tr h="1099640">
+              <a:tr h="1428038">
                 <a:tc>
                   <a:txBody>
                     <a:bodyPr/>
@@ -6473,16 +6662,16 @@
                         </a:spcAft>
                       </a:pPr>
                       <a:r>
-                        <a:rPr lang="fr-FR" sz="1800" dirty="0">
+                        <a:rPr lang="fr-FR" sz="2400">
                           <a:effectLst/>
                         </a:rPr>
                         <a:t>Echange d’objets ( et non plus de chaînes de caractères) entre applications échangeant via Socket.</a:t>
                       </a:r>
-                      <a:endParaRPr lang="fr-FR" sz="1400" dirty="0">
+                      <a:endParaRPr lang="fr-FR" sz="2400">
                         <a:effectLst/>
-                        <a:latin typeface="Calibri" panose="020F0502020204030204" pitchFamily="34" charset="0"/>
+                        <a:latin typeface="Calibri"/>
                         <a:ea typeface="Calibri" panose="020F0502020204030204" pitchFamily="34" charset="0"/>
-                        <a:cs typeface="Times New Roman" panose="02020603050405020304" pitchFamily="18" charset="0"/>
+                        <a:cs typeface="Times New Roman"/>
                       </a:endParaRPr>
                     </a:p>
                   </a:txBody>
@@ -6502,16 +6691,16 @@
                         </a:spcAft>
                       </a:pPr>
                       <a:r>
-                        <a:rPr lang="fr-FR" sz="1600" dirty="0">
+                        <a:rPr lang="fr-FR" sz="2400">
                           <a:effectLst/>
                         </a:rPr>
                         <a:t>François/Alexandre</a:t>
                       </a:r>
-                      <a:endParaRPr lang="fr-FR" sz="1600" dirty="0">
+                      <a:endParaRPr lang="fr-FR" sz="2400">
                         <a:effectLst/>
-                        <a:latin typeface="Calibri" panose="020F0502020204030204" pitchFamily="34" charset="0"/>
+                        <a:latin typeface="Calibri"/>
                         <a:ea typeface="Calibri" panose="020F0502020204030204" pitchFamily="34" charset="0"/>
-                        <a:cs typeface="Times New Roman" panose="02020603050405020304" pitchFamily="18" charset="0"/>
+                        <a:cs typeface="Times New Roman"/>
                       </a:endParaRPr>
                     </a:p>
                   </a:txBody>
@@ -6584,7 +6773,7 @@
           <a:lstStyle/>
           <a:p>
             <a:r>
-              <a:rPr lang="fr-FR" dirty="0"/>
+              <a:rPr lang="fr-FR"/>
               <a:t>Diagramme de classe UML</a:t>
             </a:r>
           </a:p>
@@ -6675,7 +6864,7 @@
           <a:lstStyle/>
           <a:p>
             <a:r>
-              <a:rPr lang="fr-FR" dirty="0"/>
+              <a:rPr lang="fr-FR"/>
               <a:t>Le client</a:t>
             </a:r>
           </a:p>
@@ -6697,45 +6886,84 @@
             <p:ph idx="1"/>
           </p:nvPr>
         </p:nvSpPr>
-        <p:spPr/>
-        <p:txBody>
-          <a:bodyPr/>
-          <a:lstStyle/>
-          <a:p>
-            <a:r>
-              <a:rPr lang="fr-FR" dirty="0"/>
-              <a:t>Se connecte au serveur </a:t>
-            </a:r>
-          </a:p>
-          <a:p>
-            <a:r>
-              <a:rPr lang="fr-FR" dirty="0"/>
+        <p:spPr>
+          <a:xfrm>
+            <a:off x="677334" y="1815532"/>
+            <a:ext cx="8596668" cy="3880773"/>
+          </a:xfrm>
+        </p:spPr>
+        <p:txBody>
+          <a:bodyPr vert="horz" lIns="91440" tIns="45720" rIns="91440" bIns="45720" rtlCol="0" anchor="t">
+            <a:normAutofit lnSpcReduction="10000"/>
+          </a:bodyPr>
+          <a:lstStyle/>
+          <a:p>
+            <a:pPr>
+              <a:spcAft>
+                <a:spcPts val="1000"/>
+              </a:spcAft>
+            </a:pPr>
+            <a:r>
+              <a:rPr lang="fr-FR" sz="2400"/>
+              <a:t>Se connecte au serveur </a:t>
+            </a:r>
+            <a:endParaRPr lang="fr-FR"/>
+          </a:p>
+          <a:p>
+            <a:pPr>
+              <a:spcAft>
+                <a:spcPts val="1000"/>
+              </a:spcAft>
+            </a:pPr>
+            <a:r>
+              <a:rPr lang="fr-FR" sz="2400"/>
               <a:t>Demande le pseudo</a:t>
             </a:r>
           </a:p>
           <a:p>
-            <a:r>
-              <a:rPr lang="fr-FR" dirty="0"/>
+            <a:pPr>
+              <a:spcAft>
+                <a:spcPts val="1000"/>
+              </a:spcAft>
+            </a:pPr>
+            <a:r>
+              <a:rPr lang="fr-FR" sz="2400"/>
               <a:t>Reçoit la question, les 4 réponses possibles et la réponse exacte sous forme d’objet Question et Réponse</a:t>
             </a:r>
           </a:p>
           <a:p>
-            <a:r>
-              <a:rPr lang="fr-FR" dirty="0"/>
-              <a:t>4 boutons symbolisent les 4 réponses possibles </a:t>
-            </a:r>
-          </a:p>
-          <a:p>
-            <a:r>
-              <a:rPr lang="fr-FR" dirty="0"/>
+            <a:pPr>
+              <a:spcAft>
+                <a:spcPts val="1000"/>
+              </a:spcAft>
+            </a:pPr>
+            <a:r>
+              <a:rPr lang="fr-FR" sz="2400"/>
+              <a:t>4 boutons symbolisent les 4 réponses possibles </a:t>
+            </a:r>
+          </a:p>
+          <a:p>
+            <a:pPr>
+              <a:spcAft>
+                <a:spcPts val="1000"/>
+              </a:spcAft>
+            </a:pPr>
+            <a:r>
+              <a:rPr lang="fr-FR" sz="2400"/>
               <a:t>Quand une réponse est sélectionnée, le client l’envoie au serveur pour vérifier la réponse exacte et afficher le message de réussite ou d’échec</a:t>
             </a:r>
           </a:p>
           <a:p>
             <a:pPr marL="0" indent="0">
+              <a:spcBef>
+                <a:spcPts val="600"/>
+              </a:spcBef>
+              <a:spcAft>
+                <a:spcPts val="600"/>
+              </a:spcAft>
               <a:buNone/>
             </a:pPr>
-            <a:endParaRPr lang="fr-FR" dirty="0"/>
+            <a:endParaRPr lang="fr-FR"/>
           </a:p>
         </p:txBody>
       </p:sp>
@@ -6791,7 +7019,7 @@
           <a:lstStyle/>
           <a:p>
             <a:r>
-              <a:rPr lang="fr-FR" dirty="0"/>
+              <a:rPr lang="fr-FR"/>
               <a:t>Le serveur </a:t>
             </a:r>
           </a:p>
@@ -6813,44 +7041,82 @@
             <p:ph idx="1"/>
           </p:nvPr>
         </p:nvSpPr>
-        <p:spPr/>
-        <p:txBody>
-          <a:bodyPr/>
-          <a:lstStyle/>
-          <a:p>
-            <a:r>
-              <a:rPr lang="fr-FR" dirty="0"/>
+        <p:spPr>
+          <a:xfrm>
+            <a:off x="547938" y="1844287"/>
+            <a:ext cx="9243649" cy="3880773"/>
+          </a:xfrm>
+        </p:spPr>
+        <p:txBody>
+          <a:bodyPr vert="horz" lIns="91440" tIns="45720" rIns="91440" bIns="45720" rtlCol="0" anchor="t">
+            <a:normAutofit/>
+          </a:bodyPr>
+          <a:lstStyle/>
+          <a:p>
+            <a:pPr>
+              <a:spcBef>
+                <a:spcPts val="600"/>
+              </a:spcBef>
+              <a:spcAft>
+                <a:spcPts val="600"/>
+              </a:spcAft>
+            </a:pPr>
+            <a:r>
+              <a:rPr lang="fr-FR" sz="2400"/>
               <a:t>Un bouton « lancer la partie » permet de démarrer le serveur, celui-ci attend qu’au minimum un client se connecte</a:t>
             </a:r>
-          </a:p>
-          <a:p>
-            <a:r>
-              <a:rPr lang="fr-FR" dirty="0"/>
+            <a:endParaRPr lang="fr-FR"/>
+          </a:p>
+          <a:p>
+            <a:pPr>
+              <a:lnSpc>
+                <a:spcPct val="200000"/>
+              </a:lnSpc>
+              <a:spcBef>
+                <a:spcPts val="600"/>
+              </a:spcBef>
+              <a:spcAft>
+                <a:spcPts val="600"/>
+              </a:spcAft>
+            </a:pPr>
+            <a:r>
+              <a:rPr lang="fr-FR" sz="2400"/>
               <a:t>Reçoit son pseudo</a:t>
             </a:r>
           </a:p>
           <a:p>
-            <a:r>
-              <a:rPr lang="fr-FR" dirty="0"/>
+            <a:pPr>
+              <a:lnSpc>
+                <a:spcPct val="200000"/>
+              </a:lnSpc>
+              <a:spcBef>
+                <a:spcPts val="600"/>
+              </a:spcBef>
+              <a:spcAft>
+                <a:spcPts val="600"/>
+              </a:spcAft>
+            </a:pPr>
+            <a:r>
+              <a:rPr lang="fr-FR" sz="2400"/>
               <a:t>Peux lancer une question aux clients</a:t>
             </a:r>
           </a:p>
           <a:p>
-            <a:r>
-              <a:rPr lang="fr-FR"/>
-              <a:t>Réceptionne </a:t>
-            </a:r>
-            <a:r>
-              <a:rPr lang="fr-FR" dirty="0"/>
-              <a:t>les réponses des clients et les compare à la </a:t>
-            </a:r>
-            <a:r>
-              <a:rPr lang="fr-FR"/>
-              <a:t>réponse exacte</a:t>
-            </a:r>
-          </a:p>
-          <a:p>
-            <a:endParaRPr lang="fr-FR" dirty="0"/>
+            <a:pPr>
+              <a:spcBef>
+                <a:spcPts val="600"/>
+              </a:spcBef>
+              <a:spcAft>
+                <a:spcPts val="600"/>
+              </a:spcAft>
+            </a:pPr>
+            <a:r>
+              <a:rPr lang="fr-FR" sz="2400"/>
+              <a:t>Réceptionne les réponses des clients et les compare à la réponse exacte</a:t>
+            </a:r>
+          </a:p>
+          <a:p>
+            <a:endParaRPr lang="fr-FR"/>
           </a:p>
         </p:txBody>
       </p:sp>
@@ -6858,6 +7124,130 @@
     <p:extLst>
       <p:ext uri="{BB962C8B-B14F-4D97-AF65-F5344CB8AC3E}">
         <p14:creationId xmlns:p14="http://schemas.microsoft.com/office/powerpoint/2010/main" val="3543654381"/>
+      </p:ext>
+    </p:extLst>
+  </p:cSld>
+  <p:clrMapOvr>
+    <a:masterClrMapping/>
+  </p:clrMapOvr>
+</p:sld>
+</file>
+
+<file path=ppt/slides/slide7.xml><?xml version="1.0" encoding="utf-8"?>
+<p:sld xmlns:a="http://schemas.openxmlformats.org/drawingml/2006/main" xmlns:r="http://schemas.openxmlformats.org/officeDocument/2006/relationships" xmlns:p="http://schemas.openxmlformats.org/presentationml/2006/main">
+  <p:cSld>
+    <p:spTree>
+      <p:nvGrpSpPr>
+        <p:cNvPr id="1" name=""/>
+        <p:cNvGrpSpPr/>
+        <p:nvPr/>
+      </p:nvGrpSpPr>
+      <p:grpSpPr>
+        <a:xfrm>
+          <a:off x="0" y="0"/>
+          <a:ext cx="0" cy="0"/>
+          <a:chOff x="0" y="0"/>
+          <a:chExt cx="0" cy="0"/>
+        </a:xfrm>
+      </p:grpSpPr>
+      <p:sp>
+        <p:nvSpPr>
+          <p:cNvPr id="2" name="Titre 1">
+            <a:extLst>
+              <a:ext uri="{FF2B5EF4-FFF2-40B4-BE49-F238E27FC236}">
+                <a16:creationId xmlns:a16="http://schemas.microsoft.com/office/drawing/2014/main" id="{74718362-FEA5-4630-8B75-AA884EAEB919}"/>
+              </a:ext>
+            </a:extLst>
+          </p:cNvPr>
+          <p:cNvSpPr>
+            <a:spLocks noGrp="1"/>
+          </p:cNvSpPr>
+          <p:nvPr>
+            <p:ph type="title"/>
+          </p:nvPr>
+        </p:nvSpPr>
+        <p:spPr/>
+        <p:txBody>
+          <a:bodyPr/>
+          <a:lstStyle/>
+          <a:p>
+            <a:r>
+              <a:rPr lang="fr-FR"/>
+              <a:t>Conclusion</a:t>
+            </a:r>
+          </a:p>
+        </p:txBody>
+      </p:sp>
+      <p:sp>
+        <p:nvSpPr>
+          <p:cNvPr id="6" name="Espace réservé du contenu 2">
+            <a:extLst>
+              <a:ext uri="{FF2B5EF4-FFF2-40B4-BE49-F238E27FC236}">
+                <a16:creationId xmlns:a16="http://schemas.microsoft.com/office/drawing/2014/main" id="{35A39217-76D5-441F-BA34-BBC41C00D11D}"/>
+              </a:ext>
+            </a:extLst>
+          </p:cNvPr>
+          <p:cNvSpPr>
+            <a:spLocks noGrp="1"/>
+          </p:cNvSpPr>
+          <p:nvPr>
+            <p:ph idx="1"/>
+          </p:nvPr>
+        </p:nvSpPr>
+        <p:spPr>
+          <a:xfrm>
+            <a:off x="864240" y="1930551"/>
+            <a:ext cx="8596668" cy="3880773"/>
+          </a:xfrm>
+        </p:spPr>
+        <p:txBody>
+          <a:bodyPr vert="horz" lIns="91440" tIns="45720" rIns="91440" bIns="45720" rtlCol="0" anchor="t">
+            <a:normAutofit/>
+          </a:bodyPr>
+          <a:lstStyle/>
+          <a:p>
+            <a:pPr>
+              <a:lnSpc>
+                <a:spcPct val="200000"/>
+              </a:lnSpc>
+            </a:pPr>
+            <a:r>
+              <a:rPr lang="fr-FR" sz="2400"/>
+              <a:t>Connexions de client en cours de partie</a:t>
+            </a:r>
+            <a:endParaRPr lang="fr-FR"/>
+          </a:p>
+          <a:p>
+            <a:pPr>
+              <a:lnSpc>
+                <a:spcPct val="200000"/>
+              </a:lnSpc>
+            </a:pPr>
+            <a:r>
+              <a:rPr lang="fr-FR" sz="2400"/>
+              <a:t>Bloquer le serveur et client à certains moments</a:t>
+            </a:r>
+          </a:p>
+          <a:p>
+            <a:pPr>
+              <a:lnSpc>
+                <a:spcPct val="200000"/>
+              </a:lnSpc>
+            </a:pPr>
+            <a:r>
+              <a:rPr lang="fr-FR" sz="2400"/>
+              <a:t>Automatisation de l'envoie des questions</a:t>
+            </a:r>
+          </a:p>
+          <a:p>
+            <a:endParaRPr lang="fr-FR" sz="2400"/>
+          </a:p>
+        </p:txBody>
+      </p:sp>
+    </p:spTree>
+    <p:extLst>
+      <p:ext uri="{BB962C8B-B14F-4D97-AF65-F5344CB8AC3E}">
+        <p14:creationId xmlns:p14="http://schemas.microsoft.com/office/powerpoint/2010/main" val="1478182754"/>
       </p:ext>
     </p:extLst>
   </p:cSld>
